--- a/模写①/模写コーディング1 アウトライン.pptx
+++ b/模写①/模写コーディング1 アウトライン.pptx
@@ -5,11 +5,12 @@
     <p:sldMasterId id="2147483648" r:id="rId1"/>
   </p:sldMasterIdLst>
   <p:notesMasterIdLst>
-    <p:notesMasterId r:id="rId4"/>
+    <p:notesMasterId r:id="rId5"/>
   </p:notesMasterIdLst>
   <p:sldIdLst>
     <p:sldId id="256" r:id="rId2"/>
     <p:sldId id="257" r:id="rId3"/>
+    <p:sldId id="258" r:id="rId4"/>
   </p:sldIdLst>
   <p:sldSz cx="12192000" cy="6858000"/>
   <p:notesSz cx="6858000" cy="9144000"/>
@@ -119,7 +120,7 @@
 <file path=ppt/revisionInfo.xml><?xml version="1.0" encoding="utf-8"?>
 <p1510:revInfo xmlns:a="http://schemas.openxmlformats.org/drawingml/2006/main" xmlns:r="http://schemas.openxmlformats.org/officeDocument/2006/relationships" xmlns:p1510="http://schemas.microsoft.com/office/powerpoint/2015/10/main">
   <p1510:revLst>
-    <p1510:client id="{33DF6F4F-7799-4F1C-8205-D57C404C4D25}" v="62" dt="2024-04-09T13:46:25.660"/>
+    <p1510:client id="{33DF6F4F-7799-4F1C-8205-D57C404C4D25}" v="63" dt="2024-04-10T13:06:15.441"/>
   </p1510:revLst>
 </p1510:revInfo>
 </file>
@@ -129,7 +130,7 @@
   <pc:docChgLst>
     <pc:chgData name="家 植村" userId="72c5fec4ad88b536" providerId="LiveId" clId="{33DF6F4F-7799-4F1C-8205-D57C404C4D25}"/>
     <pc:docChg chg="undo custSel addSld delSld modSld">
-      <pc:chgData name="家 植村" userId="72c5fec4ad88b536" providerId="LiveId" clId="{33DF6F4F-7799-4F1C-8205-D57C404C4D25}" dt="2024-04-09T14:32:52.519" v="506" actId="20577"/>
+      <pc:chgData name="家 植村" userId="72c5fec4ad88b536" providerId="LiveId" clId="{33DF6F4F-7799-4F1C-8205-D57C404C4D25}" dt="2024-04-10T13:06:19.890" v="527" actId="14100"/>
       <pc:docMkLst>
         <pc:docMk/>
       </pc:docMkLst>
@@ -562,6 +563,53 @@
           </ac:picMkLst>
         </pc:picChg>
       </pc:sldChg>
+      <pc:sldChg chg="addSp delSp modSp new mod">
+        <pc:chgData name="家 植村" userId="72c5fec4ad88b536" providerId="LiveId" clId="{33DF6F4F-7799-4F1C-8205-D57C404C4D25}" dt="2024-04-10T13:06:19.890" v="527" actId="14100"/>
+        <pc:sldMkLst>
+          <pc:docMk/>
+          <pc:sldMk cId="4272130173" sldId="258"/>
+        </pc:sldMkLst>
+        <pc:spChg chg="del">
+          <ac:chgData name="家 植村" userId="72c5fec4ad88b536" providerId="LiveId" clId="{33DF6F4F-7799-4F1C-8205-D57C404C4D25}" dt="2024-04-10T13:05:34.929" v="509" actId="478"/>
+          <ac:spMkLst>
+            <pc:docMk/>
+            <pc:sldMk cId="4272130173" sldId="258"/>
+            <ac:spMk id="2" creationId="{327DC57F-0C9F-6575-CD6C-0A113378B5B6}"/>
+          </ac:spMkLst>
+        </pc:spChg>
+        <pc:spChg chg="del">
+          <ac:chgData name="家 植村" userId="72c5fec4ad88b536" providerId="LiveId" clId="{33DF6F4F-7799-4F1C-8205-D57C404C4D25}" dt="2024-04-10T13:05:34.281" v="508" actId="478"/>
+          <ac:spMkLst>
+            <pc:docMk/>
+            <pc:sldMk cId="4272130173" sldId="258"/>
+            <ac:spMk id="3" creationId="{28CF30E1-CD8F-7004-BF54-B652C0B3F515}"/>
+          </ac:spMkLst>
+        </pc:spChg>
+        <pc:spChg chg="add mod">
+          <ac:chgData name="家 植村" userId="72c5fec4ad88b536" providerId="LiveId" clId="{33DF6F4F-7799-4F1C-8205-D57C404C4D25}" dt="2024-04-10T13:06:19.890" v="527" actId="14100"/>
+          <ac:spMkLst>
+            <pc:docMk/>
+            <pc:sldMk cId="4272130173" sldId="258"/>
+            <ac:spMk id="8" creationId="{6926E231-2B18-706A-3461-D627EF75D6EC}"/>
+          </ac:spMkLst>
+        </pc:spChg>
+        <pc:picChg chg="add mod">
+          <ac:chgData name="家 植村" userId="72c5fec4ad88b536" providerId="LiveId" clId="{33DF6F4F-7799-4F1C-8205-D57C404C4D25}" dt="2024-04-10T13:06:12.101" v="515" actId="1076"/>
+          <ac:picMkLst>
+            <pc:docMk/>
+            <pc:sldMk cId="4272130173" sldId="258"/>
+            <ac:picMk id="5" creationId="{9943FB9F-4CC1-E78D-95A9-9BE44F21BABD}"/>
+          </ac:picMkLst>
+        </pc:picChg>
+        <pc:picChg chg="add mod">
+          <ac:chgData name="家 植村" userId="72c5fec4ad88b536" providerId="LiveId" clId="{33DF6F4F-7799-4F1C-8205-D57C404C4D25}" dt="2024-04-10T13:06:10.851" v="514" actId="1076"/>
+          <ac:picMkLst>
+            <pc:docMk/>
+            <pc:sldMk cId="4272130173" sldId="258"/>
+            <ac:picMk id="7" creationId="{81D17704-34FA-B011-921C-07F2E746B672}"/>
+          </ac:picMkLst>
+        </pc:picChg>
+      </pc:sldChg>
     </pc:docChg>
   </pc:docChgLst>
 </pc:chgInfo>
@@ -649,7 +697,7 @@
           <a:p>
             <a:fld id="{1C33E8EC-982A-4A9C-BF85-16287487BB6D}" type="datetimeFigureOut">
               <a:rPr kumimoji="1" lang="ja-JP" altLang="en-US" smtClean="0"/>
-              <a:t>2024/4/9</a:t>
+              <a:t>2024/4/10</a:t>
             </a:fld>
             <a:endParaRPr kumimoji="1" lang="ja-JP" altLang="en-US"/>
           </a:p>
@@ -1095,7 +1143,7 @@
           <a:p>
             <a:fld id="{0DCFBDBF-33DA-46ED-814B-0DD64F8399AA}" type="datetimeFigureOut">
               <a:rPr kumimoji="1" lang="ja-JP" altLang="en-US" smtClean="0"/>
-              <a:t>2024/4/9</a:t>
+              <a:t>2024/4/10</a:t>
             </a:fld>
             <a:endParaRPr kumimoji="1" lang="ja-JP" altLang="en-US"/>
           </a:p>
@@ -1325,7 +1373,7 @@
           <a:p>
             <a:fld id="{0DCFBDBF-33DA-46ED-814B-0DD64F8399AA}" type="datetimeFigureOut">
               <a:rPr kumimoji="1" lang="ja-JP" altLang="en-US" smtClean="0"/>
-              <a:t>2024/4/9</a:t>
+              <a:t>2024/4/10</a:t>
             </a:fld>
             <a:endParaRPr kumimoji="1" lang="ja-JP" altLang="en-US"/>
           </a:p>
@@ -1565,7 +1613,7 @@
           <a:p>
             <a:fld id="{0DCFBDBF-33DA-46ED-814B-0DD64F8399AA}" type="datetimeFigureOut">
               <a:rPr kumimoji="1" lang="ja-JP" altLang="en-US" smtClean="0"/>
-              <a:t>2024/4/9</a:t>
+              <a:t>2024/4/10</a:t>
             </a:fld>
             <a:endParaRPr kumimoji="1" lang="ja-JP" altLang="en-US"/>
           </a:p>
@@ -1795,7 +1843,7 @@
           <a:p>
             <a:fld id="{0DCFBDBF-33DA-46ED-814B-0DD64F8399AA}" type="datetimeFigureOut">
               <a:rPr kumimoji="1" lang="ja-JP" altLang="en-US" smtClean="0"/>
-              <a:t>2024/4/9</a:t>
+              <a:t>2024/4/10</a:t>
             </a:fld>
             <a:endParaRPr kumimoji="1" lang="ja-JP" altLang="en-US"/>
           </a:p>
@@ -2070,7 +2118,7 @@
           <a:p>
             <a:fld id="{0DCFBDBF-33DA-46ED-814B-0DD64F8399AA}" type="datetimeFigureOut">
               <a:rPr kumimoji="1" lang="ja-JP" altLang="en-US" smtClean="0"/>
-              <a:t>2024/4/9</a:t>
+              <a:t>2024/4/10</a:t>
             </a:fld>
             <a:endParaRPr kumimoji="1" lang="ja-JP" altLang="en-US"/>
           </a:p>
@@ -2399,7 +2447,7 @@
           <a:p>
             <a:fld id="{0DCFBDBF-33DA-46ED-814B-0DD64F8399AA}" type="datetimeFigureOut">
               <a:rPr kumimoji="1" lang="ja-JP" altLang="en-US" smtClean="0"/>
-              <a:t>2024/4/9</a:t>
+              <a:t>2024/4/10</a:t>
             </a:fld>
             <a:endParaRPr kumimoji="1" lang="ja-JP" altLang="en-US"/>
           </a:p>
@@ -2875,7 +2923,7 @@
           <a:p>
             <a:fld id="{0DCFBDBF-33DA-46ED-814B-0DD64F8399AA}" type="datetimeFigureOut">
               <a:rPr kumimoji="1" lang="ja-JP" altLang="en-US" smtClean="0"/>
-              <a:t>2024/4/9</a:t>
+              <a:t>2024/4/10</a:t>
             </a:fld>
             <a:endParaRPr kumimoji="1" lang="ja-JP" altLang="en-US"/>
           </a:p>
@@ -3016,7 +3064,7 @@
           <a:p>
             <a:fld id="{0DCFBDBF-33DA-46ED-814B-0DD64F8399AA}" type="datetimeFigureOut">
               <a:rPr kumimoji="1" lang="ja-JP" altLang="en-US" smtClean="0"/>
-              <a:t>2024/4/9</a:t>
+              <a:t>2024/4/10</a:t>
             </a:fld>
             <a:endParaRPr kumimoji="1" lang="ja-JP" altLang="en-US"/>
           </a:p>
@@ -3129,7 +3177,7 @@
           <a:p>
             <a:fld id="{0DCFBDBF-33DA-46ED-814B-0DD64F8399AA}" type="datetimeFigureOut">
               <a:rPr kumimoji="1" lang="ja-JP" altLang="en-US" smtClean="0"/>
-              <a:t>2024/4/9</a:t>
+              <a:t>2024/4/10</a:t>
             </a:fld>
             <a:endParaRPr kumimoji="1" lang="ja-JP" altLang="en-US"/>
           </a:p>
@@ -3472,7 +3520,7 @@
           <a:p>
             <a:fld id="{0DCFBDBF-33DA-46ED-814B-0DD64F8399AA}" type="datetimeFigureOut">
               <a:rPr kumimoji="1" lang="ja-JP" altLang="en-US" smtClean="0"/>
-              <a:t>2024/4/9</a:t>
+              <a:t>2024/4/10</a:t>
             </a:fld>
             <a:endParaRPr kumimoji="1" lang="ja-JP" altLang="en-US"/>
           </a:p>
@@ -3760,7 +3808,7 @@
           <a:p>
             <a:fld id="{0DCFBDBF-33DA-46ED-814B-0DD64F8399AA}" type="datetimeFigureOut">
               <a:rPr kumimoji="1" lang="ja-JP" altLang="en-US" smtClean="0"/>
-              <a:t>2024/4/9</a:t>
+              <a:t>2024/4/10</a:t>
             </a:fld>
             <a:endParaRPr kumimoji="1" lang="ja-JP" altLang="en-US"/>
           </a:p>
@@ -4033,7 +4081,7 @@
           <a:p>
             <a:fld id="{0DCFBDBF-33DA-46ED-814B-0DD64F8399AA}" type="datetimeFigureOut">
               <a:rPr kumimoji="1" lang="ja-JP" altLang="en-US" smtClean="0"/>
-              <a:t>2024/4/9</a:t>
+              <a:t>2024/4/10</a:t>
             </a:fld>
             <a:endParaRPr kumimoji="1" lang="ja-JP" altLang="en-US"/>
           </a:p>
@@ -6012,6 +6060,135 @@
     <p:extLst>
       <p:ext uri="{BB962C8B-B14F-4D97-AF65-F5344CB8AC3E}">
         <p14:creationId xmlns:p14="http://schemas.microsoft.com/office/powerpoint/2010/main" val="2725979728"/>
+      </p:ext>
+    </p:extLst>
+  </p:cSld>
+  <p:clrMapOvr>
+    <a:masterClrMapping/>
+  </p:clrMapOvr>
+</p:sld>
+</file>
+
+<file path=ppt/slides/slide3.xml><?xml version="1.0" encoding="utf-8"?>
+<p:sld xmlns:a="http://schemas.openxmlformats.org/drawingml/2006/main" xmlns:r="http://schemas.openxmlformats.org/officeDocument/2006/relationships" xmlns:p="http://schemas.openxmlformats.org/presentationml/2006/main">
+  <p:cSld>
+    <p:spTree>
+      <p:nvGrpSpPr>
+        <p:cNvPr id="1" name=""/>
+        <p:cNvGrpSpPr/>
+        <p:nvPr/>
+      </p:nvGrpSpPr>
+      <p:grpSpPr>
+        <a:xfrm>
+          <a:off x="0" y="0"/>
+          <a:ext cx="0" cy="0"/>
+          <a:chOff x="0" y="0"/>
+          <a:chExt cx="0" cy="0"/>
+        </a:xfrm>
+      </p:grpSpPr>
+      <p:pic>
+        <p:nvPicPr>
+          <p:cNvPr id="5" name="図 4">
+            <a:extLst>
+              <a:ext uri="{FF2B5EF4-FFF2-40B4-BE49-F238E27FC236}">
+                <a16:creationId xmlns:a16="http://schemas.microsoft.com/office/drawing/2014/main" id="{9943FB9F-4CC1-E78D-95A9-9BE44F21BABD}"/>
+              </a:ext>
+            </a:extLst>
+          </p:cNvPr>
+          <p:cNvPicPr>
+            <a:picLocks noChangeAspect="1"/>
+          </p:cNvPicPr>
+          <p:nvPr/>
+        </p:nvPicPr>
+        <p:blipFill>
+          <a:blip r:embed="rId2"/>
+          <a:stretch>
+            <a:fillRect/>
+          </a:stretch>
+        </p:blipFill>
+        <p:spPr>
+          <a:xfrm>
+            <a:off x="930335" y="1329099"/>
+            <a:ext cx="3686689" cy="3915321"/>
+          </a:xfrm>
+          <a:prstGeom prst="rect">
+            <a:avLst/>
+          </a:prstGeom>
+        </p:spPr>
+      </p:pic>
+      <p:pic>
+        <p:nvPicPr>
+          <p:cNvPr id="7" name="図 6">
+            <a:extLst>
+              <a:ext uri="{FF2B5EF4-FFF2-40B4-BE49-F238E27FC236}">
+                <a16:creationId xmlns:a16="http://schemas.microsoft.com/office/drawing/2014/main" id="{81D17704-34FA-B011-921C-07F2E746B672}"/>
+              </a:ext>
+            </a:extLst>
+          </p:cNvPr>
+          <p:cNvPicPr>
+            <a:picLocks noChangeAspect="1"/>
+          </p:cNvPicPr>
+          <p:nvPr/>
+        </p:nvPicPr>
+        <p:blipFill>
+          <a:blip r:embed="rId3"/>
+          <a:stretch>
+            <a:fillRect/>
+          </a:stretch>
+        </p:blipFill>
+        <p:spPr>
+          <a:xfrm>
+            <a:off x="7366754" y="0"/>
+            <a:ext cx="3168412" cy="6858000"/>
+          </a:xfrm>
+          <a:prstGeom prst="rect">
+            <a:avLst/>
+          </a:prstGeom>
+        </p:spPr>
+      </p:pic>
+      <p:sp>
+        <p:nvSpPr>
+          <p:cNvPr id="8" name="テキスト ボックス 7">
+            <a:extLst>
+              <a:ext uri="{FF2B5EF4-FFF2-40B4-BE49-F238E27FC236}">
+                <a16:creationId xmlns:a16="http://schemas.microsoft.com/office/drawing/2014/main" id="{6926E231-2B18-706A-3461-D627EF75D6EC}"/>
+              </a:ext>
+            </a:extLst>
+          </p:cNvPr>
+          <p:cNvSpPr txBox="1"/>
+          <p:nvPr/>
+        </p:nvSpPr>
+        <p:spPr>
+          <a:xfrm>
+            <a:off x="467360" y="355601"/>
+            <a:ext cx="3168412" cy="369332"/>
+          </a:xfrm>
+          <a:prstGeom prst="rect">
+            <a:avLst/>
+          </a:prstGeom>
+          <a:noFill/>
+        </p:spPr>
+        <p:txBody>
+          <a:bodyPr wrap="square" rtlCol="0">
+            <a:spAutoFit/>
+          </a:bodyPr>
+          <a:lstStyle/>
+          <a:p>
+            <a:r>
+              <a:rPr lang="ja-JP" altLang="en-US" dirty="0"/>
+              <a:t>スマホ</a:t>
+            </a:r>
+            <a:r>
+              <a:rPr kumimoji="1" lang="ja-JP" altLang="en-US" dirty="0"/>
+              <a:t>用レイアウト</a:t>
+            </a:r>
+          </a:p>
+        </p:txBody>
+      </p:sp>
+    </p:spTree>
+    <p:extLst>
+      <p:ext uri="{BB962C8B-B14F-4D97-AF65-F5344CB8AC3E}">
+        <p14:creationId xmlns:p14="http://schemas.microsoft.com/office/powerpoint/2010/main" val="4272130173"/>
       </p:ext>
     </p:extLst>
   </p:cSld>
